--- a/src/powerpointgenerator/Assets/PolicyTemplateImage.pptx
+++ b/src/powerpointgenerator/Assets/PolicyTemplateImage.pptx
@@ -262,7 +262,7 @@
           <a:p>
             <a:fld id="{CF5C660C-50E5-B242-B3EF-2B7C8DA67512}" type="datetimeFigureOut">
               <a:rPr lang="en-US" smtClean="0"/>
-              <a:t>6/25/23</a:t>
+              <a:t>9/8/24</a:t>
             </a:fld>
             <a:endParaRPr lang="en-US"/>
           </a:p>
@@ -432,7 +432,7 @@
           <a:p>
             <a:fld id="{CF5C660C-50E5-B242-B3EF-2B7C8DA67512}" type="datetimeFigureOut">
               <a:rPr lang="en-US" smtClean="0"/>
-              <a:t>6/25/23</a:t>
+              <a:t>9/8/24</a:t>
             </a:fld>
             <a:endParaRPr lang="en-US"/>
           </a:p>
@@ -612,7 +612,7 @@
           <a:p>
             <a:fld id="{CF5C660C-50E5-B242-B3EF-2B7C8DA67512}" type="datetimeFigureOut">
               <a:rPr lang="en-US" smtClean="0"/>
-              <a:t>6/25/23</a:t>
+              <a:t>9/8/24</a:t>
             </a:fld>
             <a:endParaRPr lang="en-US"/>
           </a:p>
@@ -782,7 +782,7 @@
           <a:p>
             <a:fld id="{CF5C660C-50E5-B242-B3EF-2B7C8DA67512}" type="datetimeFigureOut">
               <a:rPr lang="en-US" smtClean="0"/>
-              <a:t>6/25/23</a:t>
+              <a:t>9/8/24</a:t>
             </a:fld>
             <a:endParaRPr lang="en-US"/>
           </a:p>
@@ -1028,7 +1028,7 @@
           <a:p>
             <a:fld id="{CF5C660C-50E5-B242-B3EF-2B7C8DA67512}" type="datetimeFigureOut">
               <a:rPr lang="en-US" smtClean="0"/>
-              <a:t>6/25/23</a:t>
+              <a:t>9/8/24</a:t>
             </a:fld>
             <a:endParaRPr lang="en-US"/>
           </a:p>
@@ -1260,7 +1260,7 @@
           <a:p>
             <a:fld id="{CF5C660C-50E5-B242-B3EF-2B7C8DA67512}" type="datetimeFigureOut">
               <a:rPr lang="en-US" smtClean="0"/>
-              <a:t>6/25/23</a:t>
+              <a:t>9/8/24</a:t>
             </a:fld>
             <a:endParaRPr lang="en-US"/>
           </a:p>
@@ -1627,7 +1627,7 @@
           <a:p>
             <a:fld id="{CF5C660C-50E5-B242-B3EF-2B7C8DA67512}" type="datetimeFigureOut">
               <a:rPr lang="en-US" smtClean="0"/>
-              <a:t>6/25/23</a:t>
+              <a:t>9/8/24</a:t>
             </a:fld>
             <a:endParaRPr lang="en-US"/>
           </a:p>
@@ -1745,7 +1745,7 @@
           <a:p>
             <a:fld id="{CF5C660C-50E5-B242-B3EF-2B7C8DA67512}" type="datetimeFigureOut">
               <a:rPr lang="en-US" smtClean="0"/>
-              <a:t>6/25/23</a:t>
+              <a:t>9/8/24</a:t>
             </a:fld>
             <a:endParaRPr lang="en-US"/>
           </a:p>
@@ -1840,7 +1840,7 @@
           <a:p>
             <a:fld id="{CF5C660C-50E5-B242-B3EF-2B7C8DA67512}" type="datetimeFigureOut">
               <a:rPr lang="en-US" smtClean="0"/>
-              <a:t>6/25/23</a:t>
+              <a:t>9/8/24</a:t>
             </a:fld>
             <a:endParaRPr lang="en-US"/>
           </a:p>
@@ -2117,7 +2117,7 @@
           <a:p>
             <a:fld id="{CF5C660C-50E5-B242-B3EF-2B7C8DA67512}" type="datetimeFigureOut">
               <a:rPr lang="en-US" smtClean="0"/>
-              <a:t>6/25/23</a:t>
+              <a:t>9/8/24</a:t>
             </a:fld>
             <a:endParaRPr lang="en-US"/>
           </a:p>
@@ -2374,7 +2374,7 @@
           <a:p>
             <a:fld id="{CF5C660C-50E5-B242-B3EF-2B7C8DA67512}" type="datetimeFigureOut">
               <a:rPr lang="en-US" smtClean="0"/>
-              <a:t>6/25/23</a:t>
+              <a:t>9/8/24</a:t>
             </a:fld>
             <a:endParaRPr lang="en-US"/>
           </a:p>
@@ -2587,7 +2587,7 @@
           <a:p>
             <a:fld id="{CF5C660C-50E5-B242-B3EF-2B7C8DA67512}" type="datetimeFigureOut">
               <a:rPr lang="en-US" smtClean="0"/>
-              <a:t>6/25/23</a:t>
+              <a:t>9/8/24</a:t>
             </a:fld>
             <a:endParaRPr lang="en-US"/>
           </a:p>
@@ -4033,7 +4033,7 @@
         <p:spPr>
           <a:xfrm>
             <a:off x="310122" y="6539219"/>
-            <a:ext cx="1154483" cy="253916"/>
+            <a:ext cx="1447832" cy="253916"/>
           </a:xfrm>
           <a:prstGeom prst="rect">
             <a:avLst/>
@@ -4059,7 +4059,7 @@
                   </a:extLst>
                 </a:hlinkClick>
               </a:rPr>
-              <a:t>idPowerToys.com</a:t>
+              <a:t>idPowerToys.merill.net</a:t>
             </a:r>
             <a:endParaRPr lang="en-US" sz="1050" dirty="0">
               <a:solidFill>
